--- a/ppt 16-9/0638.最大的财富.pptx
+++ b/ppt 16-9/0638.最大的财富.pptx
@@ -5,7 +5,7 @@
     <p:sldMasterId id="2147483648" r:id="rId1"/>
   </p:sldMasterIdLst>
   <p:sldIdLst>
-    <p:sldId id="2435" r:id="rId2"/>
+    <p:sldId id="2436" r:id="rId2"/>
   </p:sldIdLst>
   <p:sldSz cx="12192000" cy="6858000"/>
   <p:notesSz cx="6858000" cy="9144000"/>
@@ -129,7 +129,7 @@
           <p:cNvPr id="2" name="标题 1">
             <a:extLst>
               <a:ext uri="{FF2B5EF4-FFF2-40B4-BE49-F238E27FC236}">
-                <a16:creationId xmlns:a16="http://schemas.microsoft.com/office/drawing/2014/main" id="{1DB3387F-44C2-0F30-A1FE-345532F25E41}"/>
+                <a16:creationId xmlns:a16="http://schemas.microsoft.com/office/drawing/2014/main" id="{A294214E-FD71-9C78-EB4F-D9C746C83CE5}"/>
               </a:ext>
             </a:extLst>
           </p:cNvPr>
@@ -166,7 +166,7 @@
           <p:cNvPr id="3" name="副标题 2">
             <a:extLst>
               <a:ext uri="{FF2B5EF4-FFF2-40B4-BE49-F238E27FC236}">
-                <a16:creationId xmlns:a16="http://schemas.microsoft.com/office/drawing/2014/main" id="{42510A4E-0A93-037E-22BB-66B28680E952}"/>
+                <a16:creationId xmlns:a16="http://schemas.microsoft.com/office/drawing/2014/main" id="{D0EF9478-616B-E656-3123-49210C313DB3}"/>
               </a:ext>
             </a:extLst>
           </p:cNvPr>
@@ -236,7 +236,7 @@
           <p:cNvPr id="4" name="日期占位符 3">
             <a:extLst>
               <a:ext uri="{FF2B5EF4-FFF2-40B4-BE49-F238E27FC236}">
-                <a16:creationId xmlns:a16="http://schemas.microsoft.com/office/drawing/2014/main" id="{9210AE32-3E93-9B6D-7B29-3157C6C728F2}"/>
+                <a16:creationId xmlns:a16="http://schemas.microsoft.com/office/drawing/2014/main" id="{64678494-7A81-2D79-7EEF-766FF5FFF479}"/>
               </a:ext>
             </a:extLst>
           </p:cNvPr>
@@ -252,7 +252,7 @@
           <a:bodyPr/>
           <a:lstStyle/>
           <a:p>
-            <a:fld id="{1C5FD528-2A76-46F4-93DC-3CA954843D75}" type="datetimeFigureOut">
+            <a:fld id="{608EFCDD-C29F-4CBA-A292-B4414E88AD93}" type="datetimeFigureOut">
               <a:rPr lang="zh-CN" altLang="en-US" smtClean="0"/>
               <a:t>2024/3/10</a:t>
             </a:fld>
@@ -265,7 +265,7 @@
           <p:cNvPr id="5" name="页脚占位符 4">
             <a:extLst>
               <a:ext uri="{FF2B5EF4-FFF2-40B4-BE49-F238E27FC236}">
-                <a16:creationId xmlns:a16="http://schemas.microsoft.com/office/drawing/2014/main" id="{7C292F90-0ECB-2AB1-0D9E-BCA97B3ADE43}"/>
+                <a16:creationId xmlns:a16="http://schemas.microsoft.com/office/drawing/2014/main" id="{9E08198A-D55A-9020-6403-DBAA596BA996}"/>
               </a:ext>
             </a:extLst>
           </p:cNvPr>
@@ -290,7 +290,7 @@
           <p:cNvPr id="6" name="灯片编号占位符 5">
             <a:extLst>
               <a:ext uri="{FF2B5EF4-FFF2-40B4-BE49-F238E27FC236}">
-                <a16:creationId xmlns:a16="http://schemas.microsoft.com/office/drawing/2014/main" id="{F72A0D4F-BA66-3691-58A1-3CD4EBC95926}"/>
+                <a16:creationId xmlns:a16="http://schemas.microsoft.com/office/drawing/2014/main" id="{4415F56F-91C1-E724-DC42-BD18F159D5E1}"/>
               </a:ext>
             </a:extLst>
           </p:cNvPr>
@@ -306,7 +306,7 @@
           <a:bodyPr/>
           <a:lstStyle/>
           <a:p>
-            <a:fld id="{E57E3EDE-2643-4681-A90F-B606E7285532}" type="slidenum">
+            <a:fld id="{54076FEE-8068-42BB-9B90-3B0F1665112D}" type="slidenum">
               <a:rPr lang="zh-CN" altLang="en-US" smtClean="0"/>
               <a:t>‹#›</a:t>
             </a:fld>
@@ -317,7 +317,7 @@
     </p:spTree>
     <p:extLst>
       <p:ext uri="{BB962C8B-B14F-4D97-AF65-F5344CB8AC3E}">
-        <p14:creationId xmlns:p14="http://schemas.microsoft.com/office/powerpoint/2010/main" val="909506632"/>
+        <p14:creationId xmlns:p14="http://schemas.microsoft.com/office/powerpoint/2010/main" val="1338496269"/>
       </p:ext>
     </p:extLst>
   </p:cSld>
@@ -349,7 +349,7 @@
           <p:cNvPr id="2" name="标题 1">
             <a:extLst>
               <a:ext uri="{FF2B5EF4-FFF2-40B4-BE49-F238E27FC236}">
-                <a16:creationId xmlns:a16="http://schemas.microsoft.com/office/drawing/2014/main" id="{DBF5E6A3-9D4E-0E60-4434-C3DD83BE75FF}"/>
+                <a16:creationId xmlns:a16="http://schemas.microsoft.com/office/drawing/2014/main" id="{A94BA868-B66E-D703-975B-4E4B81801C1F}"/>
               </a:ext>
             </a:extLst>
           </p:cNvPr>
@@ -377,7 +377,7 @@
           <p:cNvPr id="3" name="竖排文字占位符 2">
             <a:extLst>
               <a:ext uri="{FF2B5EF4-FFF2-40B4-BE49-F238E27FC236}">
-                <a16:creationId xmlns:a16="http://schemas.microsoft.com/office/drawing/2014/main" id="{C60F6E25-8E17-07AF-A0A3-84107711E9B5}"/>
+                <a16:creationId xmlns:a16="http://schemas.microsoft.com/office/drawing/2014/main" id="{2C85E883-E1F0-90AB-00DC-E5D32297A9EC}"/>
               </a:ext>
             </a:extLst>
           </p:cNvPr>
@@ -434,7 +434,7 @@
           <p:cNvPr id="4" name="日期占位符 3">
             <a:extLst>
               <a:ext uri="{FF2B5EF4-FFF2-40B4-BE49-F238E27FC236}">
-                <a16:creationId xmlns:a16="http://schemas.microsoft.com/office/drawing/2014/main" id="{13161708-8042-7C27-04BA-A46F9BD48946}"/>
+                <a16:creationId xmlns:a16="http://schemas.microsoft.com/office/drawing/2014/main" id="{14F6DB47-31AF-F8B1-FE3B-C2C76BCCB43E}"/>
               </a:ext>
             </a:extLst>
           </p:cNvPr>
@@ -450,7 +450,7 @@
           <a:bodyPr/>
           <a:lstStyle/>
           <a:p>
-            <a:fld id="{1C5FD528-2A76-46F4-93DC-3CA954843D75}" type="datetimeFigureOut">
+            <a:fld id="{608EFCDD-C29F-4CBA-A292-B4414E88AD93}" type="datetimeFigureOut">
               <a:rPr lang="zh-CN" altLang="en-US" smtClean="0"/>
               <a:t>2024/3/10</a:t>
             </a:fld>
@@ -463,7 +463,7 @@
           <p:cNvPr id="5" name="页脚占位符 4">
             <a:extLst>
               <a:ext uri="{FF2B5EF4-FFF2-40B4-BE49-F238E27FC236}">
-                <a16:creationId xmlns:a16="http://schemas.microsoft.com/office/drawing/2014/main" id="{93C5E804-4BE4-05DC-C060-917AADD95EBC}"/>
+                <a16:creationId xmlns:a16="http://schemas.microsoft.com/office/drawing/2014/main" id="{C7AD9711-2FFC-3E6B-3F27-0A65C3536B65}"/>
               </a:ext>
             </a:extLst>
           </p:cNvPr>
@@ -488,7 +488,7 @@
           <p:cNvPr id="6" name="灯片编号占位符 5">
             <a:extLst>
               <a:ext uri="{FF2B5EF4-FFF2-40B4-BE49-F238E27FC236}">
-                <a16:creationId xmlns:a16="http://schemas.microsoft.com/office/drawing/2014/main" id="{2EBA762C-9A2B-BD19-F829-B46C531E8A38}"/>
+                <a16:creationId xmlns:a16="http://schemas.microsoft.com/office/drawing/2014/main" id="{E2C8E729-D4B0-6EDA-950A-B6BE310C8D26}"/>
               </a:ext>
             </a:extLst>
           </p:cNvPr>
@@ -504,7 +504,7 @@
           <a:bodyPr/>
           <a:lstStyle/>
           <a:p>
-            <a:fld id="{E57E3EDE-2643-4681-A90F-B606E7285532}" type="slidenum">
+            <a:fld id="{54076FEE-8068-42BB-9B90-3B0F1665112D}" type="slidenum">
               <a:rPr lang="zh-CN" altLang="en-US" smtClean="0"/>
               <a:t>‹#›</a:t>
             </a:fld>
@@ -515,7 +515,7 @@
     </p:spTree>
     <p:extLst>
       <p:ext uri="{BB962C8B-B14F-4D97-AF65-F5344CB8AC3E}">
-        <p14:creationId xmlns:p14="http://schemas.microsoft.com/office/powerpoint/2010/main" val="460574842"/>
+        <p14:creationId xmlns:p14="http://schemas.microsoft.com/office/powerpoint/2010/main" val="3962639692"/>
       </p:ext>
     </p:extLst>
   </p:cSld>
@@ -547,7 +547,7 @@
           <p:cNvPr id="2" name="竖排标题 1">
             <a:extLst>
               <a:ext uri="{FF2B5EF4-FFF2-40B4-BE49-F238E27FC236}">
-                <a16:creationId xmlns:a16="http://schemas.microsoft.com/office/drawing/2014/main" id="{016931AE-C824-69D4-44D7-4A86F5D556FB}"/>
+                <a16:creationId xmlns:a16="http://schemas.microsoft.com/office/drawing/2014/main" id="{8D6F794D-4C89-8C33-B2F0-A063BADDF2B5}"/>
               </a:ext>
             </a:extLst>
           </p:cNvPr>
@@ -580,7 +580,7 @@
           <p:cNvPr id="3" name="竖排文字占位符 2">
             <a:extLst>
               <a:ext uri="{FF2B5EF4-FFF2-40B4-BE49-F238E27FC236}">
-                <a16:creationId xmlns:a16="http://schemas.microsoft.com/office/drawing/2014/main" id="{1C92E66F-A422-A425-5FAF-BF125B9BF077}"/>
+                <a16:creationId xmlns:a16="http://schemas.microsoft.com/office/drawing/2014/main" id="{C54423EE-2255-6D34-6741-49A130908DBB}"/>
               </a:ext>
             </a:extLst>
           </p:cNvPr>
@@ -642,7 +642,7 @@
           <p:cNvPr id="4" name="日期占位符 3">
             <a:extLst>
               <a:ext uri="{FF2B5EF4-FFF2-40B4-BE49-F238E27FC236}">
-                <a16:creationId xmlns:a16="http://schemas.microsoft.com/office/drawing/2014/main" id="{56E54F87-39EF-588E-3976-35875F8E3B65}"/>
+                <a16:creationId xmlns:a16="http://schemas.microsoft.com/office/drawing/2014/main" id="{25A219C1-C48A-66F6-2563-66B45168D80B}"/>
               </a:ext>
             </a:extLst>
           </p:cNvPr>
@@ -658,7 +658,7 @@
           <a:bodyPr/>
           <a:lstStyle/>
           <a:p>
-            <a:fld id="{1C5FD528-2A76-46F4-93DC-3CA954843D75}" type="datetimeFigureOut">
+            <a:fld id="{608EFCDD-C29F-4CBA-A292-B4414E88AD93}" type="datetimeFigureOut">
               <a:rPr lang="zh-CN" altLang="en-US" smtClean="0"/>
               <a:t>2024/3/10</a:t>
             </a:fld>
@@ -671,7 +671,7 @@
           <p:cNvPr id="5" name="页脚占位符 4">
             <a:extLst>
               <a:ext uri="{FF2B5EF4-FFF2-40B4-BE49-F238E27FC236}">
-                <a16:creationId xmlns:a16="http://schemas.microsoft.com/office/drawing/2014/main" id="{A20301B8-09B7-DC62-5A1C-A6C4A2360BC8}"/>
+                <a16:creationId xmlns:a16="http://schemas.microsoft.com/office/drawing/2014/main" id="{626F141C-1D35-2667-8F35-502D1B72348D}"/>
               </a:ext>
             </a:extLst>
           </p:cNvPr>
@@ -696,7 +696,7 @@
           <p:cNvPr id="6" name="灯片编号占位符 5">
             <a:extLst>
               <a:ext uri="{FF2B5EF4-FFF2-40B4-BE49-F238E27FC236}">
-                <a16:creationId xmlns:a16="http://schemas.microsoft.com/office/drawing/2014/main" id="{44746570-EB81-40D9-F997-64F2EB5E2A64}"/>
+                <a16:creationId xmlns:a16="http://schemas.microsoft.com/office/drawing/2014/main" id="{E7147C5D-BEEE-21A9-CFE4-F725F787B2B7}"/>
               </a:ext>
             </a:extLst>
           </p:cNvPr>
@@ -712,7 +712,7 @@
           <a:bodyPr/>
           <a:lstStyle/>
           <a:p>
-            <a:fld id="{E57E3EDE-2643-4681-A90F-B606E7285532}" type="slidenum">
+            <a:fld id="{54076FEE-8068-42BB-9B90-3B0F1665112D}" type="slidenum">
               <a:rPr lang="zh-CN" altLang="en-US" smtClean="0"/>
               <a:t>‹#›</a:t>
             </a:fld>
@@ -723,7 +723,7 @@
     </p:spTree>
     <p:extLst>
       <p:ext uri="{BB962C8B-B14F-4D97-AF65-F5344CB8AC3E}">
-        <p14:creationId xmlns:p14="http://schemas.microsoft.com/office/powerpoint/2010/main" val="1712832801"/>
+        <p14:creationId xmlns:p14="http://schemas.microsoft.com/office/powerpoint/2010/main" val="446861614"/>
       </p:ext>
     </p:extLst>
   </p:cSld>
@@ -755,7 +755,7 @@
           <p:cNvPr id="2" name="标题 1">
             <a:extLst>
               <a:ext uri="{FF2B5EF4-FFF2-40B4-BE49-F238E27FC236}">
-                <a16:creationId xmlns:a16="http://schemas.microsoft.com/office/drawing/2014/main" id="{EB515377-AF83-9AEF-BED4-CB237FA59B3D}"/>
+                <a16:creationId xmlns:a16="http://schemas.microsoft.com/office/drawing/2014/main" id="{2A3A0CDC-CAB7-4E3F-D459-C1008EC771E7}"/>
               </a:ext>
             </a:extLst>
           </p:cNvPr>
@@ -783,7 +783,7 @@
           <p:cNvPr id="3" name="内容占位符 2">
             <a:extLst>
               <a:ext uri="{FF2B5EF4-FFF2-40B4-BE49-F238E27FC236}">
-                <a16:creationId xmlns:a16="http://schemas.microsoft.com/office/drawing/2014/main" id="{5684A6EE-6F3C-4F1D-DE59-139902909691}"/>
+                <a16:creationId xmlns:a16="http://schemas.microsoft.com/office/drawing/2014/main" id="{FBFB3FE5-8910-231F-7A9F-E9869F2EC7FE}"/>
               </a:ext>
             </a:extLst>
           </p:cNvPr>
@@ -840,7 +840,7 @@
           <p:cNvPr id="4" name="日期占位符 3">
             <a:extLst>
               <a:ext uri="{FF2B5EF4-FFF2-40B4-BE49-F238E27FC236}">
-                <a16:creationId xmlns:a16="http://schemas.microsoft.com/office/drawing/2014/main" id="{FD302694-60E3-A6F1-5A04-1BB53DA69E72}"/>
+                <a16:creationId xmlns:a16="http://schemas.microsoft.com/office/drawing/2014/main" id="{E444C519-2D5F-928A-DB96-4E921BB29A8F}"/>
               </a:ext>
             </a:extLst>
           </p:cNvPr>
@@ -856,7 +856,7 @@
           <a:bodyPr/>
           <a:lstStyle/>
           <a:p>
-            <a:fld id="{1C5FD528-2A76-46F4-93DC-3CA954843D75}" type="datetimeFigureOut">
+            <a:fld id="{608EFCDD-C29F-4CBA-A292-B4414E88AD93}" type="datetimeFigureOut">
               <a:rPr lang="zh-CN" altLang="en-US" smtClean="0"/>
               <a:t>2024/3/10</a:t>
             </a:fld>
@@ -869,7 +869,7 @@
           <p:cNvPr id="5" name="页脚占位符 4">
             <a:extLst>
               <a:ext uri="{FF2B5EF4-FFF2-40B4-BE49-F238E27FC236}">
-                <a16:creationId xmlns:a16="http://schemas.microsoft.com/office/drawing/2014/main" id="{AAAA03AE-B937-09CA-1A26-D11825C032D4}"/>
+                <a16:creationId xmlns:a16="http://schemas.microsoft.com/office/drawing/2014/main" id="{887C3126-78C3-D206-007A-98842B596213}"/>
               </a:ext>
             </a:extLst>
           </p:cNvPr>
@@ -894,7 +894,7 @@
           <p:cNvPr id="6" name="灯片编号占位符 5">
             <a:extLst>
               <a:ext uri="{FF2B5EF4-FFF2-40B4-BE49-F238E27FC236}">
-                <a16:creationId xmlns:a16="http://schemas.microsoft.com/office/drawing/2014/main" id="{DA8A5BEF-63D2-46A0-E8A8-43FE6AB66109}"/>
+                <a16:creationId xmlns:a16="http://schemas.microsoft.com/office/drawing/2014/main" id="{F81781A6-7517-8C71-E7F4-F4D29D712CE4}"/>
               </a:ext>
             </a:extLst>
           </p:cNvPr>
@@ -910,7 +910,7 @@
           <a:bodyPr/>
           <a:lstStyle/>
           <a:p>
-            <a:fld id="{E57E3EDE-2643-4681-A90F-B606E7285532}" type="slidenum">
+            <a:fld id="{54076FEE-8068-42BB-9B90-3B0F1665112D}" type="slidenum">
               <a:rPr lang="zh-CN" altLang="en-US" smtClean="0"/>
               <a:t>‹#›</a:t>
             </a:fld>
@@ -921,7 +921,7 @@
     </p:spTree>
     <p:extLst>
       <p:ext uri="{BB962C8B-B14F-4D97-AF65-F5344CB8AC3E}">
-        <p14:creationId xmlns:p14="http://schemas.microsoft.com/office/powerpoint/2010/main" val="3689371141"/>
+        <p14:creationId xmlns:p14="http://schemas.microsoft.com/office/powerpoint/2010/main" val="1688315720"/>
       </p:ext>
     </p:extLst>
   </p:cSld>
@@ -953,7 +953,7 @@
           <p:cNvPr id="2" name="标题 1">
             <a:extLst>
               <a:ext uri="{FF2B5EF4-FFF2-40B4-BE49-F238E27FC236}">
-                <a16:creationId xmlns:a16="http://schemas.microsoft.com/office/drawing/2014/main" id="{33E6C87B-0F26-E710-B686-0ACDA9656C3C}"/>
+                <a16:creationId xmlns:a16="http://schemas.microsoft.com/office/drawing/2014/main" id="{3762050F-206B-5C94-9B52-DB9269460ED9}"/>
               </a:ext>
             </a:extLst>
           </p:cNvPr>
@@ -990,7 +990,7 @@
           <p:cNvPr id="3" name="文本占位符 2">
             <a:extLst>
               <a:ext uri="{FF2B5EF4-FFF2-40B4-BE49-F238E27FC236}">
-                <a16:creationId xmlns:a16="http://schemas.microsoft.com/office/drawing/2014/main" id="{96C2BD29-2246-CF0A-096B-0FA03724F3F1}"/>
+                <a16:creationId xmlns:a16="http://schemas.microsoft.com/office/drawing/2014/main" id="{8BE02CBB-AE28-6D82-3C33-F6F7947BAEA6}"/>
               </a:ext>
             </a:extLst>
           </p:cNvPr>
@@ -1115,7 +1115,7 @@
           <p:cNvPr id="4" name="日期占位符 3">
             <a:extLst>
               <a:ext uri="{FF2B5EF4-FFF2-40B4-BE49-F238E27FC236}">
-                <a16:creationId xmlns:a16="http://schemas.microsoft.com/office/drawing/2014/main" id="{0BCD0291-4FF4-B466-1361-22AE6D34C723}"/>
+                <a16:creationId xmlns:a16="http://schemas.microsoft.com/office/drawing/2014/main" id="{EAD5A49D-FF23-661D-B9BA-1BDFE04F3B98}"/>
               </a:ext>
             </a:extLst>
           </p:cNvPr>
@@ -1131,7 +1131,7 @@
           <a:bodyPr/>
           <a:lstStyle/>
           <a:p>
-            <a:fld id="{1C5FD528-2A76-46F4-93DC-3CA954843D75}" type="datetimeFigureOut">
+            <a:fld id="{608EFCDD-C29F-4CBA-A292-B4414E88AD93}" type="datetimeFigureOut">
               <a:rPr lang="zh-CN" altLang="en-US" smtClean="0"/>
               <a:t>2024/3/10</a:t>
             </a:fld>
@@ -1144,7 +1144,7 @@
           <p:cNvPr id="5" name="页脚占位符 4">
             <a:extLst>
               <a:ext uri="{FF2B5EF4-FFF2-40B4-BE49-F238E27FC236}">
-                <a16:creationId xmlns:a16="http://schemas.microsoft.com/office/drawing/2014/main" id="{2F0147E7-4668-B38A-1819-254851BFE0CB}"/>
+                <a16:creationId xmlns:a16="http://schemas.microsoft.com/office/drawing/2014/main" id="{B7C5A38C-1A19-2A29-EE9E-EA5C97123973}"/>
               </a:ext>
             </a:extLst>
           </p:cNvPr>
@@ -1169,7 +1169,7 @@
           <p:cNvPr id="6" name="灯片编号占位符 5">
             <a:extLst>
               <a:ext uri="{FF2B5EF4-FFF2-40B4-BE49-F238E27FC236}">
-                <a16:creationId xmlns:a16="http://schemas.microsoft.com/office/drawing/2014/main" id="{BCFD3E89-9FBB-1A9A-756C-47429535A563}"/>
+                <a16:creationId xmlns:a16="http://schemas.microsoft.com/office/drawing/2014/main" id="{AB4F05B9-70EE-5EB5-ACC0-27201C233E39}"/>
               </a:ext>
             </a:extLst>
           </p:cNvPr>
@@ -1185,7 +1185,7 @@
           <a:bodyPr/>
           <a:lstStyle/>
           <a:p>
-            <a:fld id="{E57E3EDE-2643-4681-A90F-B606E7285532}" type="slidenum">
+            <a:fld id="{54076FEE-8068-42BB-9B90-3B0F1665112D}" type="slidenum">
               <a:rPr lang="zh-CN" altLang="en-US" smtClean="0"/>
               <a:t>‹#›</a:t>
             </a:fld>
@@ -1196,7 +1196,7 @@
     </p:spTree>
     <p:extLst>
       <p:ext uri="{BB962C8B-B14F-4D97-AF65-F5344CB8AC3E}">
-        <p14:creationId xmlns:p14="http://schemas.microsoft.com/office/powerpoint/2010/main" val="2402057699"/>
+        <p14:creationId xmlns:p14="http://schemas.microsoft.com/office/powerpoint/2010/main" val="743036633"/>
       </p:ext>
     </p:extLst>
   </p:cSld>
@@ -1228,7 +1228,7 @@
           <p:cNvPr id="2" name="标题 1">
             <a:extLst>
               <a:ext uri="{FF2B5EF4-FFF2-40B4-BE49-F238E27FC236}">
-                <a16:creationId xmlns:a16="http://schemas.microsoft.com/office/drawing/2014/main" id="{082E240A-C2C5-2A6A-58BC-A6E137B4E88F}"/>
+                <a16:creationId xmlns:a16="http://schemas.microsoft.com/office/drawing/2014/main" id="{B30B2B44-E98A-3020-69B5-75D898EB3CA8}"/>
               </a:ext>
             </a:extLst>
           </p:cNvPr>
@@ -1256,7 +1256,7 @@
           <p:cNvPr id="3" name="内容占位符 2">
             <a:extLst>
               <a:ext uri="{FF2B5EF4-FFF2-40B4-BE49-F238E27FC236}">
-                <a16:creationId xmlns:a16="http://schemas.microsoft.com/office/drawing/2014/main" id="{26449B18-D720-7B73-2F52-79621CEBC2A6}"/>
+                <a16:creationId xmlns:a16="http://schemas.microsoft.com/office/drawing/2014/main" id="{5F426245-3D8C-C17A-1EC6-479F5992A1D3}"/>
               </a:ext>
             </a:extLst>
           </p:cNvPr>
@@ -1318,7 +1318,7 @@
           <p:cNvPr id="4" name="内容占位符 3">
             <a:extLst>
               <a:ext uri="{FF2B5EF4-FFF2-40B4-BE49-F238E27FC236}">
-                <a16:creationId xmlns:a16="http://schemas.microsoft.com/office/drawing/2014/main" id="{126CD481-669A-8C52-A652-FBA6B546B710}"/>
+                <a16:creationId xmlns:a16="http://schemas.microsoft.com/office/drawing/2014/main" id="{C7DB009A-83F8-D2F3-2F8C-E294314AFAB0}"/>
               </a:ext>
             </a:extLst>
           </p:cNvPr>
@@ -1380,7 +1380,7 @@
           <p:cNvPr id="5" name="日期占位符 4">
             <a:extLst>
               <a:ext uri="{FF2B5EF4-FFF2-40B4-BE49-F238E27FC236}">
-                <a16:creationId xmlns:a16="http://schemas.microsoft.com/office/drawing/2014/main" id="{7668DDFB-08BC-4067-EDD4-F3222D4773FF}"/>
+                <a16:creationId xmlns:a16="http://schemas.microsoft.com/office/drawing/2014/main" id="{B9671912-3B96-5F2B-3A72-33BCBC5AB434}"/>
               </a:ext>
             </a:extLst>
           </p:cNvPr>
@@ -1396,7 +1396,7 @@
           <a:bodyPr/>
           <a:lstStyle/>
           <a:p>
-            <a:fld id="{1C5FD528-2A76-46F4-93DC-3CA954843D75}" type="datetimeFigureOut">
+            <a:fld id="{608EFCDD-C29F-4CBA-A292-B4414E88AD93}" type="datetimeFigureOut">
               <a:rPr lang="zh-CN" altLang="en-US" smtClean="0"/>
               <a:t>2024/3/10</a:t>
             </a:fld>
@@ -1409,7 +1409,7 @@
           <p:cNvPr id="6" name="页脚占位符 5">
             <a:extLst>
               <a:ext uri="{FF2B5EF4-FFF2-40B4-BE49-F238E27FC236}">
-                <a16:creationId xmlns:a16="http://schemas.microsoft.com/office/drawing/2014/main" id="{E341F6FC-C5F3-E36A-1FAB-16CD995E6825}"/>
+                <a16:creationId xmlns:a16="http://schemas.microsoft.com/office/drawing/2014/main" id="{2F3F99A4-42E0-5AA6-C250-B4645262E8B4}"/>
               </a:ext>
             </a:extLst>
           </p:cNvPr>
@@ -1434,7 +1434,7 @@
           <p:cNvPr id="7" name="灯片编号占位符 6">
             <a:extLst>
               <a:ext uri="{FF2B5EF4-FFF2-40B4-BE49-F238E27FC236}">
-                <a16:creationId xmlns:a16="http://schemas.microsoft.com/office/drawing/2014/main" id="{48FA1553-0DB3-58A2-254D-DB13C62FD106}"/>
+                <a16:creationId xmlns:a16="http://schemas.microsoft.com/office/drawing/2014/main" id="{4C7736BF-2D58-3E06-E33C-CDE0960FDFE4}"/>
               </a:ext>
             </a:extLst>
           </p:cNvPr>
@@ -1450,7 +1450,7 @@
           <a:bodyPr/>
           <a:lstStyle/>
           <a:p>
-            <a:fld id="{E57E3EDE-2643-4681-A90F-B606E7285532}" type="slidenum">
+            <a:fld id="{54076FEE-8068-42BB-9B90-3B0F1665112D}" type="slidenum">
               <a:rPr lang="zh-CN" altLang="en-US" smtClean="0"/>
               <a:t>‹#›</a:t>
             </a:fld>
@@ -1461,7 +1461,7 @@
     </p:spTree>
     <p:extLst>
       <p:ext uri="{BB962C8B-B14F-4D97-AF65-F5344CB8AC3E}">
-        <p14:creationId xmlns:p14="http://schemas.microsoft.com/office/powerpoint/2010/main" val="3589495796"/>
+        <p14:creationId xmlns:p14="http://schemas.microsoft.com/office/powerpoint/2010/main" val="2772974019"/>
       </p:ext>
     </p:extLst>
   </p:cSld>
@@ -1493,7 +1493,7 @@
           <p:cNvPr id="2" name="标题 1">
             <a:extLst>
               <a:ext uri="{FF2B5EF4-FFF2-40B4-BE49-F238E27FC236}">
-                <a16:creationId xmlns:a16="http://schemas.microsoft.com/office/drawing/2014/main" id="{6A1243FA-BCF3-E2E6-836E-5E6B63A89C47}"/>
+                <a16:creationId xmlns:a16="http://schemas.microsoft.com/office/drawing/2014/main" id="{6473CC78-B0AD-4911-F5BE-6A0BE2132B3F}"/>
               </a:ext>
             </a:extLst>
           </p:cNvPr>
@@ -1526,7 +1526,7 @@
           <p:cNvPr id="3" name="文本占位符 2">
             <a:extLst>
               <a:ext uri="{FF2B5EF4-FFF2-40B4-BE49-F238E27FC236}">
-                <a16:creationId xmlns:a16="http://schemas.microsoft.com/office/drawing/2014/main" id="{D30C41C4-0959-D43B-8906-EF402E9A8377}"/>
+                <a16:creationId xmlns:a16="http://schemas.microsoft.com/office/drawing/2014/main" id="{D277BBE2-1C8D-6364-BA6F-0E5FD0986754}"/>
               </a:ext>
             </a:extLst>
           </p:cNvPr>
@@ -1597,7 +1597,7 @@
           <p:cNvPr id="4" name="内容占位符 3">
             <a:extLst>
               <a:ext uri="{FF2B5EF4-FFF2-40B4-BE49-F238E27FC236}">
-                <a16:creationId xmlns:a16="http://schemas.microsoft.com/office/drawing/2014/main" id="{0AC9EF17-1DF3-5BA0-C37D-8DEFAA1DDE50}"/>
+                <a16:creationId xmlns:a16="http://schemas.microsoft.com/office/drawing/2014/main" id="{5C05109F-E4C1-045F-8AA0-E399931913CD}"/>
               </a:ext>
             </a:extLst>
           </p:cNvPr>
@@ -1659,7 +1659,7 @@
           <p:cNvPr id="5" name="文本占位符 4">
             <a:extLst>
               <a:ext uri="{FF2B5EF4-FFF2-40B4-BE49-F238E27FC236}">
-                <a16:creationId xmlns:a16="http://schemas.microsoft.com/office/drawing/2014/main" id="{C8A6F68F-2D5E-5872-0C1F-45960DCD2D26}"/>
+                <a16:creationId xmlns:a16="http://schemas.microsoft.com/office/drawing/2014/main" id="{BC34A9E0-CFEC-E8A8-01B5-04AE381EE690}"/>
               </a:ext>
             </a:extLst>
           </p:cNvPr>
@@ -1730,7 +1730,7 @@
           <p:cNvPr id="6" name="内容占位符 5">
             <a:extLst>
               <a:ext uri="{FF2B5EF4-FFF2-40B4-BE49-F238E27FC236}">
-                <a16:creationId xmlns:a16="http://schemas.microsoft.com/office/drawing/2014/main" id="{5F542987-92CB-1DAE-18E5-9DB55F7D3106}"/>
+                <a16:creationId xmlns:a16="http://schemas.microsoft.com/office/drawing/2014/main" id="{5CAA8989-261C-CEC5-C2A8-43F8D219100D}"/>
               </a:ext>
             </a:extLst>
           </p:cNvPr>
@@ -1792,7 +1792,7 @@
           <p:cNvPr id="7" name="日期占位符 6">
             <a:extLst>
               <a:ext uri="{FF2B5EF4-FFF2-40B4-BE49-F238E27FC236}">
-                <a16:creationId xmlns:a16="http://schemas.microsoft.com/office/drawing/2014/main" id="{578BD3E1-4D7D-BBF9-DEB7-5C2AAD13FD96}"/>
+                <a16:creationId xmlns:a16="http://schemas.microsoft.com/office/drawing/2014/main" id="{FB7A00C2-F3BC-8615-E649-5604865C9B5A}"/>
               </a:ext>
             </a:extLst>
           </p:cNvPr>
@@ -1808,7 +1808,7 @@
           <a:bodyPr/>
           <a:lstStyle/>
           <a:p>
-            <a:fld id="{1C5FD528-2A76-46F4-93DC-3CA954843D75}" type="datetimeFigureOut">
+            <a:fld id="{608EFCDD-C29F-4CBA-A292-B4414E88AD93}" type="datetimeFigureOut">
               <a:rPr lang="zh-CN" altLang="en-US" smtClean="0"/>
               <a:t>2024/3/10</a:t>
             </a:fld>
@@ -1821,7 +1821,7 @@
           <p:cNvPr id="8" name="页脚占位符 7">
             <a:extLst>
               <a:ext uri="{FF2B5EF4-FFF2-40B4-BE49-F238E27FC236}">
-                <a16:creationId xmlns:a16="http://schemas.microsoft.com/office/drawing/2014/main" id="{8A094A16-69AB-C9AC-F1B3-349598D478AE}"/>
+                <a16:creationId xmlns:a16="http://schemas.microsoft.com/office/drawing/2014/main" id="{7A1B45B9-E695-6515-6B8C-09630DC38961}"/>
               </a:ext>
             </a:extLst>
           </p:cNvPr>
@@ -1846,7 +1846,7 @@
           <p:cNvPr id="9" name="灯片编号占位符 8">
             <a:extLst>
               <a:ext uri="{FF2B5EF4-FFF2-40B4-BE49-F238E27FC236}">
-                <a16:creationId xmlns:a16="http://schemas.microsoft.com/office/drawing/2014/main" id="{EF5CF204-DE06-A32F-B1B8-EAE749F8DAF0}"/>
+                <a16:creationId xmlns:a16="http://schemas.microsoft.com/office/drawing/2014/main" id="{E87EB924-CE07-2DD5-D3C2-04B1E49D4DCC}"/>
               </a:ext>
             </a:extLst>
           </p:cNvPr>
@@ -1862,7 +1862,7 @@
           <a:bodyPr/>
           <a:lstStyle/>
           <a:p>
-            <a:fld id="{E57E3EDE-2643-4681-A90F-B606E7285532}" type="slidenum">
+            <a:fld id="{54076FEE-8068-42BB-9B90-3B0F1665112D}" type="slidenum">
               <a:rPr lang="zh-CN" altLang="en-US" smtClean="0"/>
               <a:t>‹#›</a:t>
             </a:fld>
@@ -1873,7 +1873,7 @@
     </p:spTree>
     <p:extLst>
       <p:ext uri="{BB962C8B-B14F-4D97-AF65-F5344CB8AC3E}">
-        <p14:creationId xmlns:p14="http://schemas.microsoft.com/office/powerpoint/2010/main" val="2110435304"/>
+        <p14:creationId xmlns:p14="http://schemas.microsoft.com/office/powerpoint/2010/main" val="1925382111"/>
       </p:ext>
     </p:extLst>
   </p:cSld>
@@ -1905,7 +1905,7 @@
           <p:cNvPr id="2" name="标题 1">
             <a:extLst>
               <a:ext uri="{FF2B5EF4-FFF2-40B4-BE49-F238E27FC236}">
-                <a16:creationId xmlns:a16="http://schemas.microsoft.com/office/drawing/2014/main" id="{06B61362-A272-A671-4656-047F65D1D76E}"/>
+                <a16:creationId xmlns:a16="http://schemas.microsoft.com/office/drawing/2014/main" id="{F602E458-AF46-4A4D-AF5E-5F67AA68DBA8}"/>
               </a:ext>
             </a:extLst>
           </p:cNvPr>
@@ -1933,7 +1933,7 @@
           <p:cNvPr id="3" name="日期占位符 2">
             <a:extLst>
               <a:ext uri="{FF2B5EF4-FFF2-40B4-BE49-F238E27FC236}">
-                <a16:creationId xmlns:a16="http://schemas.microsoft.com/office/drawing/2014/main" id="{675B4069-F1D6-BAF7-6D7D-2FD10E2C083A}"/>
+                <a16:creationId xmlns:a16="http://schemas.microsoft.com/office/drawing/2014/main" id="{9F1BA18B-FFF1-41DB-91EB-3D255DEC858A}"/>
               </a:ext>
             </a:extLst>
           </p:cNvPr>
@@ -1949,7 +1949,7 @@
           <a:bodyPr/>
           <a:lstStyle/>
           <a:p>
-            <a:fld id="{1C5FD528-2A76-46F4-93DC-3CA954843D75}" type="datetimeFigureOut">
+            <a:fld id="{608EFCDD-C29F-4CBA-A292-B4414E88AD93}" type="datetimeFigureOut">
               <a:rPr lang="zh-CN" altLang="en-US" smtClean="0"/>
               <a:t>2024/3/10</a:t>
             </a:fld>
@@ -1962,7 +1962,7 @@
           <p:cNvPr id="4" name="页脚占位符 3">
             <a:extLst>
               <a:ext uri="{FF2B5EF4-FFF2-40B4-BE49-F238E27FC236}">
-                <a16:creationId xmlns:a16="http://schemas.microsoft.com/office/drawing/2014/main" id="{5B27BEE0-C8E2-DDC8-75D6-B0F0BF95D8D2}"/>
+                <a16:creationId xmlns:a16="http://schemas.microsoft.com/office/drawing/2014/main" id="{3183B6F0-540B-154E-ED0E-43C8B585AEBE}"/>
               </a:ext>
             </a:extLst>
           </p:cNvPr>
@@ -1987,7 +1987,7 @@
           <p:cNvPr id="5" name="灯片编号占位符 4">
             <a:extLst>
               <a:ext uri="{FF2B5EF4-FFF2-40B4-BE49-F238E27FC236}">
-                <a16:creationId xmlns:a16="http://schemas.microsoft.com/office/drawing/2014/main" id="{03969480-84F3-3EEB-0381-14C3F5C73BC2}"/>
+                <a16:creationId xmlns:a16="http://schemas.microsoft.com/office/drawing/2014/main" id="{67343954-C4B0-BA2F-67CE-AFA76ECA49E9}"/>
               </a:ext>
             </a:extLst>
           </p:cNvPr>
@@ -2003,7 +2003,7 @@
           <a:bodyPr/>
           <a:lstStyle/>
           <a:p>
-            <a:fld id="{E57E3EDE-2643-4681-A90F-B606E7285532}" type="slidenum">
+            <a:fld id="{54076FEE-8068-42BB-9B90-3B0F1665112D}" type="slidenum">
               <a:rPr lang="zh-CN" altLang="en-US" smtClean="0"/>
               <a:t>‹#›</a:t>
             </a:fld>
@@ -2014,7 +2014,7 @@
     </p:spTree>
     <p:extLst>
       <p:ext uri="{BB962C8B-B14F-4D97-AF65-F5344CB8AC3E}">
-        <p14:creationId xmlns:p14="http://schemas.microsoft.com/office/powerpoint/2010/main" val="1427064693"/>
+        <p14:creationId xmlns:p14="http://schemas.microsoft.com/office/powerpoint/2010/main" val="2103421333"/>
       </p:ext>
     </p:extLst>
   </p:cSld>
@@ -2046,7 +2046,7 @@
           <p:cNvPr id="2" name="日期占位符 1">
             <a:extLst>
               <a:ext uri="{FF2B5EF4-FFF2-40B4-BE49-F238E27FC236}">
-                <a16:creationId xmlns:a16="http://schemas.microsoft.com/office/drawing/2014/main" id="{FE45EBBE-4E0B-2175-27F4-D61206D025B5}"/>
+                <a16:creationId xmlns:a16="http://schemas.microsoft.com/office/drawing/2014/main" id="{3B0F9CF4-AB4F-1B18-D1B4-934D9379971B}"/>
               </a:ext>
             </a:extLst>
           </p:cNvPr>
@@ -2062,7 +2062,7 @@
           <a:bodyPr/>
           <a:lstStyle/>
           <a:p>
-            <a:fld id="{1C5FD528-2A76-46F4-93DC-3CA954843D75}" type="datetimeFigureOut">
+            <a:fld id="{608EFCDD-C29F-4CBA-A292-B4414E88AD93}" type="datetimeFigureOut">
               <a:rPr lang="zh-CN" altLang="en-US" smtClean="0"/>
               <a:t>2024/3/10</a:t>
             </a:fld>
@@ -2075,7 +2075,7 @@
           <p:cNvPr id="3" name="页脚占位符 2">
             <a:extLst>
               <a:ext uri="{FF2B5EF4-FFF2-40B4-BE49-F238E27FC236}">
-                <a16:creationId xmlns:a16="http://schemas.microsoft.com/office/drawing/2014/main" id="{A55209C2-0438-25F6-E6B0-0641C865E8EE}"/>
+                <a16:creationId xmlns:a16="http://schemas.microsoft.com/office/drawing/2014/main" id="{6E674153-4AFD-E80E-D8F8-1851E115728B}"/>
               </a:ext>
             </a:extLst>
           </p:cNvPr>
@@ -2100,7 +2100,7 @@
           <p:cNvPr id="4" name="灯片编号占位符 3">
             <a:extLst>
               <a:ext uri="{FF2B5EF4-FFF2-40B4-BE49-F238E27FC236}">
-                <a16:creationId xmlns:a16="http://schemas.microsoft.com/office/drawing/2014/main" id="{CE0A14D3-DC66-3F84-1961-0C7EC9CC2341}"/>
+                <a16:creationId xmlns:a16="http://schemas.microsoft.com/office/drawing/2014/main" id="{12CAA97A-81A5-A118-284F-CC4B279BCF8A}"/>
               </a:ext>
             </a:extLst>
           </p:cNvPr>
@@ -2116,7 +2116,7 @@
           <a:bodyPr/>
           <a:lstStyle/>
           <a:p>
-            <a:fld id="{E57E3EDE-2643-4681-A90F-B606E7285532}" type="slidenum">
+            <a:fld id="{54076FEE-8068-42BB-9B90-3B0F1665112D}" type="slidenum">
               <a:rPr lang="zh-CN" altLang="en-US" smtClean="0"/>
               <a:t>‹#›</a:t>
             </a:fld>
@@ -2127,7 +2127,7 @@
     </p:spTree>
     <p:extLst>
       <p:ext uri="{BB962C8B-B14F-4D97-AF65-F5344CB8AC3E}">
-        <p14:creationId xmlns:p14="http://schemas.microsoft.com/office/powerpoint/2010/main" val="3353487887"/>
+        <p14:creationId xmlns:p14="http://schemas.microsoft.com/office/powerpoint/2010/main" val="2123224904"/>
       </p:ext>
     </p:extLst>
   </p:cSld>
@@ -2159,7 +2159,7 @@
           <p:cNvPr id="2" name="标题 1">
             <a:extLst>
               <a:ext uri="{FF2B5EF4-FFF2-40B4-BE49-F238E27FC236}">
-                <a16:creationId xmlns:a16="http://schemas.microsoft.com/office/drawing/2014/main" id="{184FD678-93DE-3544-89C6-50F40160BE16}"/>
+                <a16:creationId xmlns:a16="http://schemas.microsoft.com/office/drawing/2014/main" id="{DFD94578-1776-AB26-136E-1F840402DFAA}"/>
               </a:ext>
             </a:extLst>
           </p:cNvPr>
@@ -2196,7 +2196,7 @@
           <p:cNvPr id="3" name="内容占位符 2">
             <a:extLst>
               <a:ext uri="{FF2B5EF4-FFF2-40B4-BE49-F238E27FC236}">
-                <a16:creationId xmlns:a16="http://schemas.microsoft.com/office/drawing/2014/main" id="{FB5CE034-5400-6F8E-51EF-77ADC715E19D}"/>
+                <a16:creationId xmlns:a16="http://schemas.microsoft.com/office/drawing/2014/main" id="{EAA32900-C3F4-8DC3-618B-F02E918BA49F}"/>
               </a:ext>
             </a:extLst>
           </p:cNvPr>
@@ -2286,7 +2286,7 @@
           <p:cNvPr id="4" name="文本占位符 3">
             <a:extLst>
               <a:ext uri="{FF2B5EF4-FFF2-40B4-BE49-F238E27FC236}">
-                <a16:creationId xmlns:a16="http://schemas.microsoft.com/office/drawing/2014/main" id="{F72F350E-59F0-2C21-1510-AEE13B580233}"/>
+                <a16:creationId xmlns:a16="http://schemas.microsoft.com/office/drawing/2014/main" id="{CC62743B-DC6A-8822-6C94-FBF4ABB61AF1}"/>
               </a:ext>
             </a:extLst>
           </p:cNvPr>
@@ -2357,7 +2357,7 @@
           <p:cNvPr id="5" name="日期占位符 4">
             <a:extLst>
               <a:ext uri="{FF2B5EF4-FFF2-40B4-BE49-F238E27FC236}">
-                <a16:creationId xmlns:a16="http://schemas.microsoft.com/office/drawing/2014/main" id="{C173CAE0-335B-DE73-1EF0-A508EE6BD6E1}"/>
+                <a16:creationId xmlns:a16="http://schemas.microsoft.com/office/drawing/2014/main" id="{B1CF3EE6-C585-E0DF-CCB7-E86FB6748462}"/>
               </a:ext>
             </a:extLst>
           </p:cNvPr>
@@ -2373,7 +2373,7 @@
           <a:bodyPr/>
           <a:lstStyle/>
           <a:p>
-            <a:fld id="{1C5FD528-2A76-46F4-93DC-3CA954843D75}" type="datetimeFigureOut">
+            <a:fld id="{608EFCDD-C29F-4CBA-A292-B4414E88AD93}" type="datetimeFigureOut">
               <a:rPr lang="zh-CN" altLang="en-US" smtClean="0"/>
               <a:t>2024/3/10</a:t>
             </a:fld>
@@ -2386,7 +2386,7 @@
           <p:cNvPr id="6" name="页脚占位符 5">
             <a:extLst>
               <a:ext uri="{FF2B5EF4-FFF2-40B4-BE49-F238E27FC236}">
-                <a16:creationId xmlns:a16="http://schemas.microsoft.com/office/drawing/2014/main" id="{C3B23643-9FFB-C774-2866-F7C3C5B7523B}"/>
+                <a16:creationId xmlns:a16="http://schemas.microsoft.com/office/drawing/2014/main" id="{72BBE905-56AA-2E1F-A3CF-EC843A84CF44}"/>
               </a:ext>
             </a:extLst>
           </p:cNvPr>
@@ -2411,7 +2411,7 @@
           <p:cNvPr id="7" name="灯片编号占位符 6">
             <a:extLst>
               <a:ext uri="{FF2B5EF4-FFF2-40B4-BE49-F238E27FC236}">
-                <a16:creationId xmlns:a16="http://schemas.microsoft.com/office/drawing/2014/main" id="{26B09B65-1BDD-ABF2-4B12-DD713E0CFCB2}"/>
+                <a16:creationId xmlns:a16="http://schemas.microsoft.com/office/drawing/2014/main" id="{95AA73BA-57D9-6553-D9F9-E847E31DBC44}"/>
               </a:ext>
             </a:extLst>
           </p:cNvPr>
@@ -2427,7 +2427,7 @@
           <a:bodyPr/>
           <a:lstStyle/>
           <a:p>
-            <a:fld id="{E57E3EDE-2643-4681-A90F-B606E7285532}" type="slidenum">
+            <a:fld id="{54076FEE-8068-42BB-9B90-3B0F1665112D}" type="slidenum">
               <a:rPr lang="zh-CN" altLang="en-US" smtClean="0"/>
               <a:t>‹#›</a:t>
             </a:fld>
@@ -2438,7 +2438,7 @@
     </p:spTree>
     <p:extLst>
       <p:ext uri="{BB962C8B-B14F-4D97-AF65-F5344CB8AC3E}">
-        <p14:creationId xmlns:p14="http://schemas.microsoft.com/office/powerpoint/2010/main" val="3629892451"/>
+        <p14:creationId xmlns:p14="http://schemas.microsoft.com/office/powerpoint/2010/main" val="2263005811"/>
       </p:ext>
     </p:extLst>
   </p:cSld>
@@ -2470,7 +2470,7 @@
           <p:cNvPr id="2" name="标题 1">
             <a:extLst>
               <a:ext uri="{FF2B5EF4-FFF2-40B4-BE49-F238E27FC236}">
-                <a16:creationId xmlns:a16="http://schemas.microsoft.com/office/drawing/2014/main" id="{E82FF335-F760-A4CD-4765-C95D954EB509}"/>
+                <a16:creationId xmlns:a16="http://schemas.microsoft.com/office/drawing/2014/main" id="{0B2A30D3-BA15-B0AD-71B5-DC4A1BE7426E}"/>
               </a:ext>
             </a:extLst>
           </p:cNvPr>
@@ -2507,7 +2507,7 @@
           <p:cNvPr id="3" name="图片占位符 2">
             <a:extLst>
               <a:ext uri="{FF2B5EF4-FFF2-40B4-BE49-F238E27FC236}">
-                <a16:creationId xmlns:a16="http://schemas.microsoft.com/office/drawing/2014/main" id="{C3AB4911-5B9D-5879-C37C-99CBCB9DD91C}"/>
+                <a16:creationId xmlns:a16="http://schemas.microsoft.com/office/drawing/2014/main" id="{4D0E81F8-B022-31BA-5FAA-12ACB0966069}"/>
               </a:ext>
             </a:extLst>
           </p:cNvPr>
@@ -2574,7 +2574,7 @@
           <p:cNvPr id="4" name="文本占位符 3">
             <a:extLst>
               <a:ext uri="{FF2B5EF4-FFF2-40B4-BE49-F238E27FC236}">
-                <a16:creationId xmlns:a16="http://schemas.microsoft.com/office/drawing/2014/main" id="{DA5B876D-A95B-F6E7-7FCF-6196AE8DC6D0}"/>
+                <a16:creationId xmlns:a16="http://schemas.microsoft.com/office/drawing/2014/main" id="{2CECDE87-0E36-4B89-1E39-134C4ABA12A0}"/>
               </a:ext>
             </a:extLst>
           </p:cNvPr>
@@ -2645,7 +2645,7 @@
           <p:cNvPr id="5" name="日期占位符 4">
             <a:extLst>
               <a:ext uri="{FF2B5EF4-FFF2-40B4-BE49-F238E27FC236}">
-                <a16:creationId xmlns:a16="http://schemas.microsoft.com/office/drawing/2014/main" id="{229B00AA-DC3D-9646-B03C-1D885253F4A2}"/>
+                <a16:creationId xmlns:a16="http://schemas.microsoft.com/office/drawing/2014/main" id="{3F808739-CD89-4752-A43A-320FDFDB7DE6}"/>
               </a:ext>
             </a:extLst>
           </p:cNvPr>
@@ -2661,7 +2661,7 @@
           <a:bodyPr/>
           <a:lstStyle/>
           <a:p>
-            <a:fld id="{1C5FD528-2A76-46F4-93DC-3CA954843D75}" type="datetimeFigureOut">
+            <a:fld id="{608EFCDD-C29F-4CBA-A292-B4414E88AD93}" type="datetimeFigureOut">
               <a:rPr lang="zh-CN" altLang="en-US" smtClean="0"/>
               <a:t>2024/3/10</a:t>
             </a:fld>
@@ -2674,7 +2674,7 @@
           <p:cNvPr id="6" name="页脚占位符 5">
             <a:extLst>
               <a:ext uri="{FF2B5EF4-FFF2-40B4-BE49-F238E27FC236}">
-                <a16:creationId xmlns:a16="http://schemas.microsoft.com/office/drawing/2014/main" id="{79EA1F6A-6BA1-997C-2B3B-9A50F0623648}"/>
+                <a16:creationId xmlns:a16="http://schemas.microsoft.com/office/drawing/2014/main" id="{C11D0806-70F4-1D33-E6B7-7502666C235A}"/>
               </a:ext>
             </a:extLst>
           </p:cNvPr>
@@ -2699,7 +2699,7 @@
           <p:cNvPr id="7" name="灯片编号占位符 6">
             <a:extLst>
               <a:ext uri="{FF2B5EF4-FFF2-40B4-BE49-F238E27FC236}">
-                <a16:creationId xmlns:a16="http://schemas.microsoft.com/office/drawing/2014/main" id="{1B8D1D4D-8AD4-1638-7926-C76DBA4F7BBB}"/>
+                <a16:creationId xmlns:a16="http://schemas.microsoft.com/office/drawing/2014/main" id="{A52DFD68-F541-EDE0-7443-38BC4AED4D55}"/>
               </a:ext>
             </a:extLst>
           </p:cNvPr>
@@ -2715,7 +2715,7 @@
           <a:bodyPr/>
           <a:lstStyle/>
           <a:p>
-            <a:fld id="{E57E3EDE-2643-4681-A90F-B606E7285532}" type="slidenum">
+            <a:fld id="{54076FEE-8068-42BB-9B90-3B0F1665112D}" type="slidenum">
               <a:rPr lang="zh-CN" altLang="en-US" smtClean="0"/>
               <a:t>‹#›</a:t>
             </a:fld>
@@ -2726,7 +2726,7 @@
     </p:spTree>
     <p:extLst>
       <p:ext uri="{BB962C8B-B14F-4D97-AF65-F5344CB8AC3E}">
-        <p14:creationId xmlns:p14="http://schemas.microsoft.com/office/powerpoint/2010/main" val="2825427186"/>
+        <p14:creationId xmlns:p14="http://schemas.microsoft.com/office/powerpoint/2010/main" val="784892816"/>
       </p:ext>
     </p:extLst>
   </p:cSld>
@@ -2763,7 +2763,7 @@
           <p:cNvPr id="2" name="标题占位符 1">
             <a:extLst>
               <a:ext uri="{FF2B5EF4-FFF2-40B4-BE49-F238E27FC236}">
-                <a16:creationId xmlns:a16="http://schemas.microsoft.com/office/drawing/2014/main" id="{B27E8901-7ECD-25A8-26C3-0A70247608A7}"/>
+                <a16:creationId xmlns:a16="http://schemas.microsoft.com/office/drawing/2014/main" id="{F1F29945-8E5B-85EA-42B2-5CB7A2826E60}"/>
               </a:ext>
             </a:extLst>
           </p:cNvPr>
@@ -2801,7 +2801,7 @@
           <p:cNvPr id="3" name="文本占位符 2">
             <a:extLst>
               <a:ext uri="{FF2B5EF4-FFF2-40B4-BE49-F238E27FC236}">
-                <a16:creationId xmlns:a16="http://schemas.microsoft.com/office/drawing/2014/main" id="{89EC9E0C-47B0-BCB6-E1E1-3689B883CDB6}"/>
+                <a16:creationId xmlns:a16="http://schemas.microsoft.com/office/drawing/2014/main" id="{9A216C0F-0742-871D-4F19-07209F7A0E2D}"/>
               </a:ext>
             </a:extLst>
           </p:cNvPr>
@@ -2868,7 +2868,7 @@
           <p:cNvPr id="4" name="日期占位符 3">
             <a:extLst>
               <a:ext uri="{FF2B5EF4-FFF2-40B4-BE49-F238E27FC236}">
-                <a16:creationId xmlns:a16="http://schemas.microsoft.com/office/drawing/2014/main" id="{D5C07D1D-E411-2C38-80E9-E4CAFF7B21A7}"/>
+                <a16:creationId xmlns:a16="http://schemas.microsoft.com/office/drawing/2014/main" id="{E6154461-8388-940E-4103-75DDB883253D}"/>
               </a:ext>
             </a:extLst>
           </p:cNvPr>
@@ -2902,7 +2902,7 @@
             </a:lvl1pPr>
           </a:lstStyle>
           <a:p>
-            <a:fld id="{1C5FD528-2A76-46F4-93DC-3CA954843D75}" type="datetimeFigureOut">
+            <a:fld id="{608EFCDD-C29F-4CBA-A292-B4414E88AD93}" type="datetimeFigureOut">
               <a:rPr lang="zh-CN" altLang="en-US" smtClean="0"/>
               <a:t>2024/3/10</a:t>
             </a:fld>
@@ -2915,7 +2915,7 @@
           <p:cNvPr id="5" name="页脚占位符 4">
             <a:extLst>
               <a:ext uri="{FF2B5EF4-FFF2-40B4-BE49-F238E27FC236}">
-                <a16:creationId xmlns:a16="http://schemas.microsoft.com/office/drawing/2014/main" id="{85DF0D78-C0A2-C3DD-F975-57B94054D3C7}"/>
+                <a16:creationId xmlns:a16="http://schemas.microsoft.com/office/drawing/2014/main" id="{E76562E4-9018-149F-3A16-E0608ACE95A2}"/>
               </a:ext>
             </a:extLst>
           </p:cNvPr>
@@ -2958,7 +2958,7 @@
           <p:cNvPr id="6" name="灯片编号占位符 5">
             <a:extLst>
               <a:ext uri="{FF2B5EF4-FFF2-40B4-BE49-F238E27FC236}">
-                <a16:creationId xmlns:a16="http://schemas.microsoft.com/office/drawing/2014/main" id="{74DE798E-E940-E7B0-935E-5A48B6BCAC9D}"/>
+                <a16:creationId xmlns:a16="http://schemas.microsoft.com/office/drawing/2014/main" id="{BA1D2471-56D8-336A-760A-7DF86CB5F7E3}"/>
               </a:ext>
             </a:extLst>
           </p:cNvPr>
@@ -2992,7 +2992,7 @@
             </a:lvl1pPr>
           </a:lstStyle>
           <a:p>
-            <a:fld id="{E57E3EDE-2643-4681-A90F-B606E7285532}" type="slidenum">
+            <a:fld id="{54076FEE-8068-42BB-9B90-3B0F1665112D}" type="slidenum">
               <a:rPr lang="zh-CN" altLang="en-US" smtClean="0"/>
               <a:t>‹#›</a:t>
             </a:fld>
@@ -3003,7 +3003,7 @@
     </p:spTree>
     <p:extLst>
       <p:ext uri="{BB962C8B-B14F-4D97-AF65-F5344CB8AC3E}">
-        <p14:creationId xmlns:p14="http://schemas.microsoft.com/office/powerpoint/2010/main" val="3143605107"/>
+        <p14:creationId xmlns:p14="http://schemas.microsoft.com/office/powerpoint/2010/main" val="3420106389"/>
       </p:ext>
     </p:extLst>
   </p:cSld>
@@ -3323,7 +3323,7 @@
       </p:grpSpPr>
       <p:pic>
         <p:nvPicPr>
-          <p:cNvPr id="653314" name="Picture 2" descr="637"/>
+          <p:cNvPr id="654338" name="Picture 2" descr="638"/>
           <p:cNvPicPr>
             <a:picLocks noChangeAspect="1" noChangeArrowheads="1"/>
           </p:cNvPicPr>
